--- a/oasys_poster.pptx
+++ b/oasys_poster.pptx
@@ -243,7 +243,7 @@
           <a:p>
             <a:fld id="{E22874E3-EAE4-4084-94AE-655468D5E0E8}" type="datetimeFigureOut">
               <a:rPr lang="en-GB" smtClean="0"/>
-              <a:t>12/03/2019</a:t>
+              <a:t>13/03/2019</a:t>
             </a:fld>
             <a:endParaRPr lang="en-GB"/>
           </a:p>
@@ -413,7 +413,7 @@
           <a:p>
             <a:fld id="{E22874E3-EAE4-4084-94AE-655468D5E0E8}" type="datetimeFigureOut">
               <a:rPr lang="en-GB" smtClean="0"/>
-              <a:t>12/03/2019</a:t>
+              <a:t>13/03/2019</a:t>
             </a:fld>
             <a:endParaRPr lang="en-GB"/>
           </a:p>
@@ -593,7 +593,7 @@
           <a:p>
             <a:fld id="{E22874E3-EAE4-4084-94AE-655468D5E0E8}" type="datetimeFigureOut">
               <a:rPr lang="en-GB" smtClean="0"/>
-              <a:t>12/03/2019</a:t>
+              <a:t>13/03/2019</a:t>
             </a:fld>
             <a:endParaRPr lang="en-GB"/>
           </a:p>
@@ -763,7 +763,7 @@
           <a:p>
             <a:fld id="{E22874E3-EAE4-4084-94AE-655468D5E0E8}" type="datetimeFigureOut">
               <a:rPr lang="en-GB" smtClean="0"/>
-              <a:t>12/03/2019</a:t>
+              <a:t>13/03/2019</a:t>
             </a:fld>
             <a:endParaRPr lang="en-GB"/>
           </a:p>
@@ -1007,7 +1007,7 @@
           <a:p>
             <a:fld id="{E22874E3-EAE4-4084-94AE-655468D5E0E8}" type="datetimeFigureOut">
               <a:rPr lang="en-GB" smtClean="0"/>
-              <a:t>12/03/2019</a:t>
+              <a:t>13/03/2019</a:t>
             </a:fld>
             <a:endParaRPr lang="en-GB"/>
           </a:p>
@@ -1239,7 +1239,7 @@
           <a:p>
             <a:fld id="{E22874E3-EAE4-4084-94AE-655468D5E0E8}" type="datetimeFigureOut">
               <a:rPr lang="en-GB" smtClean="0"/>
-              <a:t>12/03/2019</a:t>
+              <a:t>13/03/2019</a:t>
             </a:fld>
             <a:endParaRPr lang="en-GB"/>
           </a:p>
@@ -1606,7 +1606,7 @@
           <a:p>
             <a:fld id="{E22874E3-EAE4-4084-94AE-655468D5E0E8}" type="datetimeFigureOut">
               <a:rPr lang="en-GB" smtClean="0"/>
-              <a:t>12/03/2019</a:t>
+              <a:t>13/03/2019</a:t>
             </a:fld>
             <a:endParaRPr lang="en-GB"/>
           </a:p>
@@ -1724,7 +1724,7 @@
           <a:p>
             <a:fld id="{E22874E3-EAE4-4084-94AE-655468D5E0E8}" type="datetimeFigureOut">
               <a:rPr lang="en-GB" smtClean="0"/>
-              <a:t>12/03/2019</a:t>
+              <a:t>13/03/2019</a:t>
             </a:fld>
             <a:endParaRPr lang="en-GB"/>
           </a:p>
@@ -1819,7 +1819,7 @@
           <a:p>
             <a:fld id="{E22874E3-EAE4-4084-94AE-655468D5E0E8}" type="datetimeFigureOut">
               <a:rPr lang="en-GB" smtClean="0"/>
-              <a:t>12/03/2019</a:t>
+              <a:t>13/03/2019</a:t>
             </a:fld>
             <a:endParaRPr lang="en-GB"/>
           </a:p>
@@ -2096,7 +2096,7 @@
           <a:p>
             <a:fld id="{E22874E3-EAE4-4084-94AE-655468D5E0E8}" type="datetimeFigureOut">
               <a:rPr lang="en-GB" smtClean="0"/>
-              <a:t>12/03/2019</a:t>
+              <a:t>13/03/2019</a:t>
             </a:fld>
             <a:endParaRPr lang="en-GB"/>
           </a:p>
@@ -2353,7 +2353,7 @@
           <a:p>
             <a:fld id="{E22874E3-EAE4-4084-94AE-655468D5E0E8}" type="datetimeFigureOut">
               <a:rPr lang="en-GB" smtClean="0"/>
-              <a:t>12/03/2019</a:t>
+              <a:t>13/03/2019</a:t>
             </a:fld>
             <a:endParaRPr lang="en-GB"/>
           </a:p>
@@ -2566,7 +2566,7 @@
           <a:p>
             <a:fld id="{E22874E3-EAE4-4084-94AE-655468D5E0E8}" type="datetimeFigureOut">
               <a:rPr lang="en-GB" smtClean="0"/>
-              <a:t>12/03/2019</a:t>
+              <a:t>13/03/2019</a:t>
             </a:fld>
             <a:endParaRPr lang="en-GB"/>
           </a:p>
@@ -3034,8 +3034,13 @@
           <a:p>
             <a:r>
               <a:rPr lang="en-US" sz="1400" b="1" dirty="0" smtClean="0"/>
-              <a:t>Hosted at ESRF</a:t>
-            </a:r>
+              <a:t>Hosted at </a:t>
+            </a:r>
+            <a:r>
+              <a:rPr lang="en-US" sz="1400" b="1" dirty="0" smtClean="0"/>
+              <a:t>the ESRF</a:t>
+            </a:r>
+            <a:endParaRPr lang="en-US" sz="1400" b="1" dirty="0" smtClean="0"/>
           </a:p>
           <a:p>
             <a:endParaRPr lang="en-US" sz="1400" b="1" dirty="0"/>
@@ -3098,12 +3103,12 @@
               <a:t>This is a hands-on meeting to perform full simulations on </a:t>
             </a:r>
             <a:r>
-              <a:rPr lang="en-US" sz="1400" dirty="0" err="1" smtClean="0"/>
-              <a:t>synchroton</a:t>
-            </a:r>
-            <a:r>
               <a:rPr lang="en-US" sz="1400" dirty="0" smtClean="0"/>
-              <a:t> beamlines with OASYS.  It will cover source emission, ray tracing, wave optics, partial coherence and a code camp to learn to program OASYS tools.</a:t>
+              <a:t>synchrotron </a:t>
+            </a:r>
+            <a:r>
+              <a:rPr lang="en-US" sz="1400" dirty="0" smtClean="0"/>
+              <a:t>beamlines with OASYS.  It will cover source emission, ray tracing, wave optics, partial coherence and a code camp to learn to program OASYS tools.</a:t>
             </a:r>
           </a:p>
           <a:p>
@@ -3364,6 +3369,13 @@
   <p:clrMapOvr>
     <a:masterClrMapping/>
   </p:clrMapOvr>
+  <p:timing>
+    <p:tnLst>
+      <p:par>
+        <p:cTn id="1" dur="indefinite" restart="never" nodeType="tmRoot"/>
+      </p:par>
+    </p:tnLst>
+  </p:timing>
 </p:sld>
 </file>
 
